--- a/reseach_question_presentation _1.pptx
+++ b/reseach_question_presentation _1.pptx
@@ -4839,7 +4839,15 @@
             </a:r>
             <a:r>
               <a:rPr lang="en-US" sz="2200" dirty="0" smtClean="0"/>
-              <a:t>Date :  13/11/202</a:t>
+              <a:t>Date :  </a:t>
+            </a:r>
+            <a:r>
+              <a:rPr lang="en-US" sz="2200" dirty="0" smtClean="0"/>
+              <a:t>20</a:t>
+            </a:r>
+            <a:r>
+              <a:rPr lang="en-US" sz="2200" dirty="0" smtClean="0"/>
+              <a:t>/11/202</a:t>
             </a:r>
             <a:endParaRPr lang="en-US" dirty="0"/>
           </a:p>
@@ -4877,7 +4885,15 @@
             </a:r>
             <a:r>
               <a:rPr lang="en-US" sz="2000" dirty="0" smtClean="0"/>
-              <a:t> A143A                                                      Name </a:t>
+              <a:t> </a:t>
+            </a:r>
+            <a:r>
+              <a:rPr lang="en-US" sz="2000" dirty="0" smtClean="0"/>
+              <a:t>A143                                                     </a:t>
+            </a:r>
+            <a:r>
+              <a:rPr lang="en-US" sz="2000" dirty="0" smtClean="0"/>
+              <a:t>Name </a:t>
             </a:r>
             <a:r>
               <a:rPr lang="en-US" sz="2000" dirty="0"/>
@@ -4924,7 +4940,15 @@
             </a:r>
             <a:r>
               <a:rPr lang="en-GB" dirty="0" smtClean="0"/>
-              <a:t> A143A             Names </a:t>
+              <a:t> </a:t>
+            </a:r>
+            <a:r>
+              <a:rPr lang="en-GB" dirty="0" smtClean="0"/>
+              <a:t>A143            </a:t>
+            </a:r>
+            <a:r>
+              <a:rPr lang="en-GB" dirty="0" smtClean="0"/>
+              <a:t>Names </a:t>
             </a:r>
             <a:r>
               <a:rPr lang="en-GB" dirty="0"/>
@@ -5330,7 +5354,15 @@
           <a:p>
             <a:r>
               <a:rPr lang="en-GB" dirty="0"/>
-              <a:t>7COM1079-2024  Student Group No: A143A                   Names of Student Group Attendees: </a:t>
+              <a:t>7COM1079-2024  Student Group No: </a:t>
+            </a:r>
+            <a:r>
+              <a:rPr lang="en-GB" dirty="0" smtClean="0"/>
+              <a:t>A143                   </a:t>
+            </a:r>
+            <a:r>
+              <a:rPr lang="en-GB" dirty="0"/>
+              <a:t>Names of Student Group Attendees: </a:t>
             </a:r>
             <a:r>
               <a:rPr lang="en-GB" dirty="0" err="1"/>
@@ -5678,17 +5710,10 @@
                 <a:latin typeface="Calibri"/>
                 <a:cs typeface="Calibri"/>
               </a:rPr>
-              <a:t>Dependent variable datatype </a:t>
-            </a:r>
-            <a:r>
-              <a:rPr lang="en-US" sz="2400" b="0">
-                <a:latin typeface="Calibri"/>
-                <a:cs typeface="Calibri"/>
-              </a:rPr>
-              <a:t>is </a:t>
-            </a:r>
-            <a:r>
-              <a:rPr lang="en-US" sz="2400" b="0">
+              <a:t>Dependent variable datatype is </a:t>
+            </a:r>
+            <a:r>
+              <a:rPr lang="en-US" sz="2400" b="0" dirty="0">
                 <a:latin typeface="Calibri"/>
                 <a:cs typeface="Calibri"/>
               </a:rPr>
@@ -5812,7 +5837,11 @@
             </a:r>
             <a:r>
               <a:rPr lang="en-GB" dirty="0" smtClean="0"/>
-              <a:t> A143A</a:t>
+              <a:t> </a:t>
+            </a:r>
+            <a:r>
+              <a:rPr lang="en-GB" dirty="0" smtClean="0"/>
+              <a:t>A143</a:t>
             </a:r>
             <a:endParaRPr lang="en-GB" dirty="0"/>
           </a:p>
@@ -5966,11 +5995,19 @@
           <a:p>
             <a:r>
               <a:rPr lang="en-GB" dirty="0"/>
-              <a:t>PRE 7COM1079-2024  Student Group No: </a:t>
-            </a:r>
-            <a:r>
-              <a:rPr lang="en-GB" dirty="0" smtClean="0"/>
-              <a:t> A143A</a:t>
+              <a:t>PRE 7COM1079-2024  Student Group No</a:t>
+            </a:r>
+            <a:r>
+              <a:rPr lang="en-GB"/>
+              <a:t>: </a:t>
+            </a:r>
+            <a:r>
+              <a:rPr lang="en-GB" smtClean="0"/>
+              <a:t> </a:t>
+            </a:r>
+            <a:r>
+              <a:rPr lang="en-GB" smtClean="0"/>
+              <a:t>A143</a:t>
             </a:r>
             <a:endParaRPr lang="en-GB" dirty="0"/>
           </a:p>
